--- a/Smart Factory Insights - Predictive Maintenance and Remaining Useful Life Days Forecasting.pptx
+++ b/Smart Factory Insights - Predictive Maintenance and Remaining Useful Life Days Forecasting.pptx
@@ -18,29 +18,30 @@
     <p:sldId id="266" r:id="rId16"/>
     <p:sldId id="267" r:id="rId17"/>
     <p:sldId id="268" r:id="rId18"/>
+    <p:sldId id="269" r:id="rId19"/>
   </p:sldIdLst>
   <p:sldSz cx="18288000" cy="10287000"/>
   <p:notesSz cx="6858000" cy="9144000"/>
   <p:embeddedFontLst>
     <p:embeddedFont>
       <p:font typeface="Aileron Ultra-Bold" charset="1" panose="00000A00000000000000"/>
-      <p:regular r:id="rId19"/>
+      <p:regular r:id="rId20"/>
     </p:embeddedFont>
     <p:embeddedFont>
       <p:font typeface="Canva Sans" charset="1" panose="020B0503030501040103"/>
-      <p:regular r:id="rId20"/>
+      <p:regular r:id="rId21"/>
     </p:embeddedFont>
     <p:embeddedFont>
       <p:font typeface="Aileron Heavy" charset="1" panose="00000A00000000000000"/>
-      <p:regular r:id="rId21"/>
+      <p:regular r:id="rId22"/>
     </p:embeddedFont>
     <p:embeddedFont>
       <p:font typeface="Aileron" charset="1" panose="00000500000000000000"/>
-      <p:regular r:id="rId22"/>
+      <p:regular r:id="rId23"/>
     </p:embeddedFont>
     <p:embeddedFont>
       <p:font typeface="Aileron Bold" charset="1" panose="00000800000000000000"/>
-      <p:regular r:id="rId23"/>
+      <p:regular r:id="rId24"/>
     </p:embeddedFont>
   </p:embeddedFontLst>
   <p:defaultTextStyle>
@@ -3632,6 +3633,140 @@
         </p:nvSpPr>
         <p:spPr>
           <a:xfrm flipH="false" flipV="false" rot="0">
+            <a:off x="1257323" y="2162717"/>
+            <a:ext cx="15773354" cy="7847244"/>
+          </a:xfrm>
+          <a:custGeom>
+            <a:avLst/>
+            <a:gdLst/>
+            <a:ahLst/>
+            <a:cxnLst/>
+            <a:rect r="r" b="b" t="t" l="l"/>
+            <a:pathLst>
+              <a:path h="7847244" w="15773354">
+                <a:moveTo>
+                  <a:pt x="0" y="0"/>
+                </a:moveTo>
+                <a:lnTo>
+                  <a:pt x="15773354" y="0"/>
+                </a:lnTo>
+                <a:lnTo>
+                  <a:pt x="15773354" y="7847243"/>
+                </a:lnTo>
+                <a:lnTo>
+                  <a:pt x="0" y="7847243"/>
+                </a:lnTo>
+                <a:lnTo>
+                  <a:pt x="0" y="0"/>
+                </a:lnTo>
+                <a:close/>
+              </a:path>
+            </a:pathLst>
+          </a:custGeom>
+          <a:blipFill>
+            <a:blip r:embed="rId2"/>
+            <a:stretch>
+              <a:fillRect l="0" t="0" r="0" b="0"/>
+            </a:stretch>
+          </a:blipFill>
+        </p:spPr>
+      </p:sp>
+      <p:sp>
+        <p:nvSpPr>
+          <p:cNvPr name="TextBox 3" id="3"/>
+          <p:cNvSpPr txBox="true"/>
+          <p:nvPr/>
+        </p:nvSpPr>
+        <p:spPr>
+          <a:xfrm rot="0">
+            <a:off x="2312109" y="565150"/>
+            <a:ext cx="13663782" cy="993775"/>
+          </a:xfrm>
+          <a:prstGeom prst="rect">
+            <a:avLst/>
+          </a:prstGeom>
+        </p:spPr>
+        <p:txBody>
+          <a:bodyPr anchor="t" rtlCol="false" tIns="0" lIns="0" bIns="0" rIns="0">
+            <a:spAutoFit/>
+          </a:bodyPr>
+          <a:lstStyle/>
+          <a:p>
+            <a:pPr algn="ctr" marL="0" indent="0" lvl="0">
+              <a:lnSpc>
+                <a:spcPts val="7699"/>
+              </a:lnSpc>
+              <a:spcBef>
+                <a:spcPct val="0"/>
+              </a:spcBef>
+            </a:pPr>
+            <a:r>
+              <a:rPr lang="en-US" b="true" sz="6999">
+                <a:solidFill>
+                  <a:srgbClr val="F3F3F3"/>
+                </a:solidFill>
+                <a:latin typeface="Aileron Ultra-Bold"/>
+                <a:ea typeface="Aileron Ultra-Bold"/>
+                <a:cs typeface="Aileron Ultra-Bold"/>
+                <a:sym typeface="Aileron Ultra-Bold"/>
+              </a:rPr>
+              <a:t>Str</a:t>
+            </a:r>
+            <a:r>
+              <a:rPr lang="en-US" b="true" sz="6999" u="none">
+                <a:solidFill>
+                  <a:srgbClr val="F3F3F3"/>
+                </a:solidFill>
+                <a:latin typeface="Aileron Ultra-Bold"/>
+                <a:ea typeface="Aileron Ultra-Bold"/>
+                <a:cs typeface="Aileron Ultra-Bold"/>
+                <a:sym typeface="Aileron Ultra-Bold"/>
+              </a:rPr>
+              <a:t>eamlit : Classification</a:t>
+            </a:r>
+          </a:p>
+        </p:txBody>
+      </p:sp>
+    </p:spTree>
+  </p:cSld>
+  <p:clrMapOvr>
+    <a:masterClrMapping/>
+  </p:clrMapOvr>
+</p:sld>
+</file>
+
+<file path=ppt/slides/slide11.xml><?xml version="1.0" encoding="utf-8"?>
+<p:sld xmlns:p="http://schemas.openxmlformats.org/presentationml/2006/main" xmlns:a="http://schemas.openxmlformats.org/drawingml/2006/main" xmlns:r="http://schemas.openxmlformats.org/officeDocument/2006/relationships">
+  <p:cSld>
+    <p:bg>
+      <p:bgPr>
+        <a:solidFill>
+          <a:srgbClr val="7E8083"/>
+        </a:solidFill>
+      </p:bgPr>
+    </p:bg>
+    <p:spTree>
+      <p:nvGrpSpPr>
+        <p:cNvPr id="1" name=""/>
+        <p:cNvGrpSpPr/>
+        <p:nvPr/>
+      </p:nvGrpSpPr>
+      <p:grpSpPr>
+        <a:xfrm>
+          <a:off x="0" y="0"/>
+          <a:ext cx="0" cy="0"/>
+          <a:chOff x="0" y="0"/>
+          <a:chExt cx="0" cy="0"/>
+        </a:xfrm>
+      </p:grpSpPr>
+      <p:sp>
+        <p:nvSpPr>
+          <p:cNvPr name="Freeform 2" id="2"/>
+          <p:cNvSpPr/>
+          <p:nvPr/>
+        </p:nvSpPr>
+        <p:spPr>
+          <a:xfrm flipH="false" flipV="false" rot="0">
             <a:off x="629558" y="2593450"/>
             <a:ext cx="17028883" cy="6321973"/>
           </a:xfrm>
@@ -3734,7 +3869,7 @@
 </p:sld>
 </file>
 
-<file path=ppt/slides/slide11.xml><?xml version="1.0" encoding="utf-8"?>
+<file path=ppt/slides/slide12.xml><?xml version="1.0" encoding="utf-8"?>
 <p:sld xmlns:p="http://schemas.openxmlformats.org/presentationml/2006/main" xmlns:a="http://schemas.openxmlformats.org/drawingml/2006/main">
   <p:cSld>
     <p:bg>
@@ -3876,7 +4011,7 @@
                   <a:cs typeface="Aileron"/>
                   <a:sym typeface="Aileron"/>
                 </a:rPr>
-                <a:t>ning system successfully provides real-time failure prediction and Remaining Useful Life (RUL) estimation using sensor data.It shifts maintenance from reactive to proactive strategy, enabling companies to avoid unexpected breakdowns and reduce maintenance costs. LightGBM Classifier was selected for failure classification due to high precision and F1 score. LGBMRegressor was chosen for RUL prediction with an R² score exceeding 0.97. The solution was deployed via an interactive Streamlit dashboard, allowing real-time prediction for technicians and engineers.</a:t>
+                <a:t>ning system successfully provides real-time failure prediction and Remaining Useful Life (RUL) estimation using sensor data.It shifts maintenance from reactive to proactive strategy, enabling companies to avoid unexpected breakdowns and reduce maintenance costs. LightGBM Classifier was selected for failure classification due to high accuracy of 95% and log loss of 0.1440. LGBMRegressor was chosen for RUL prediction with mean square error of 2336.3539 and R² score 0.972. The solution was deployed via an interactive Streamlit dashboard, allowing real-time prediction for technicians and engineers.</a:t>
               </a:r>
             </a:p>
           </p:txBody>
@@ -3890,7 +4025,7 @@
 </p:sld>
 </file>
 
-<file path=ppt/slides/slide12.xml><?xml version="1.0" encoding="utf-8"?>
+<file path=ppt/slides/slide13.xml><?xml version="1.0" encoding="utf-8"?>
 <p:sld xmlns:p="http://schemas.openxmlformats.org/presentationml/2006/main" xmlns:a="http://schemas.openxmlformats.org/drawingml/2006/main" xmlns:r="http://schemas.openxmlformats.org/officeDocument/2006/relationships">
   <p:cSld>
     <p:bg>
@@ -4145,7 +4280,7 @@
 </p:sld>
 </file>
 
-<file path=ppt/slides/slide13.xml><?xml version="1.0" encoding="utf-8"?>
+<file path=ppt/slides/slide14.xml><?xml version="1.0" encoding="utf-8"?>
 <p:sld xmlns:p="http://schemas.openxmlformats.org/presentationml/2006/main" xmlns:a="http://schemas.openxmlformats.org/drawingml/2006/main">
   <p:cSld>
     <p:bg>
@@ -6115,12 +6250,12 @@
 </file>
 
 <file path=ppt/slides/slide8.xml><?xml version="1.0" encoding="utf-8"?>
-<p:sld xmlns:p="http://schemas.openxmlformats.org/presentationml/2006/main" xmlns:a="http://schemas.openxmlformats.org/drawingml/2006/main" xmlns:r="http://schemas.openxmlformats.org/officeDocument/2006/relationships">
+<p:sld xmlns:p="http://schemas.openxmlformats.org/presentationml/2006/main" xmlns:a="http://schemas.openxmlformats.org/drawingml/2006/main">
   <p:cSld>
     <p:bg>
       <p:bgPr>
         <a:solidFill>
-          <a:srgbClr val="7E8083"/>
+          <a:srgbClr val="000000"/>
         </a:solidFill>
       </p:bgPr>
     </p:bg>
@@ -6138,96 +6273,183 @@
           <a:chExt cx="0" cy="0"/>
         </a:xfrm>
       </p:grpSpPr>
-      <p:sp>
-        <p:nvSpPr>
-          <p:cNvPr name="TextBox 2" id="2"/>
-          <p:cNvSpPr txBox="true"/>
+      <p:grpSp>
+        <p:nvGrpSpPr>
+          <p:cNvPr name="Group 2" id="2"/>
+          <p:cNvGrpSpPr/>
           <p:nvPr/>
-        </p:nvSpPr>
-        <p:spPr>
+        </p:nvGrpSpPr>
+        <p:grpSpPr>
           <a:xfrm rot="0">
-            <a:off x="1972970" y="327025"/>
-            <a:ext cx="13663782" cy="993775"/>
+            <a:off x="1499558" y="1285969"/>
+            <a:ext cx="15288884" cy="7715062"/>
+            <a:chOff x="0" y="0"/>
+            <a:chExt cx="20385179" cy="10286749"/>
           </a:xfrm>
-          <a:prstGeom prst="rect">
-            <a:avLst/>
-          </a:prstGeom>
-        </p:spPr>
-        <p:txBody>
-          <a:bodyPr anchor="t" rtlCol="false" tIns="0" lIns="0" bIns="0" rIns="0">
-            <a:spAutoFit/>
-          </a:bodyPr>
-          <a:lstStyle/>
-          <a:p>
-            <a:pPr algn="ctr" marL="0" indent="0" lvl="0">
-              <a:lnSpc>
-                <a:spcPts val="7699"/>
-              </a:lnSpc>
-              <a:spcBef>
-                <a:spcPct val="0"/>
-              </a:spcBef>
-            </a:pPr>
-            <a:r>
-              <a:rPr lang="en-US" b="true" sz="6999" u="none">
-                <a:solidFill>
-                  <a:srgbClr val="F3F3F3"/>
-                </a:solidFill>
-                <a:latin typeface="Aileron Ultra-Bold"/>
-                <a:ea typeface="Aileron Ultra-Bold"/>
-                <a:cs typeface="Aileron Ultra-Bold"/>
-                <a:sym typeface="Aileron Ultra-Bold"/>
-              </a:rPr>
-              <a:t>Dashboard</a:t>
-            </a:r>
-          </a:p>
-        </p:txBody>
-      </p:sp>
-      <p:sp>
-        <p:nvSpPr>
-          <p:cNvPr name="Freeform 3" id="3"/>
-          <p:cNvSpPr/>
-          <p:nvPr/>
-        </p:nvSpPr>
-        <p:spPr>
-          <a:xfrm flipH="false" flipV="false" rot="0">
-            <a:off x="0" y="1982363"/>
-            <a:ext cx="18288000" cy="6940949"/>
-          </a:xfrm>
-          <a:custGeom>
-            <a:avLst/>
-            <a:gdLst/>
-            <a:ahLst/>
-            <a:cxnLst/>
-            <a:rect r="r" b="b" t="t" l="l"/>
-            <a:pathLst>
-              <a:path h="6940949" w="18288000">
-                <a:moveTo>
-                  <a:pt x="0" y="0"/>
-                </a:moveTo>
-                <a:lnTo>
-                  <a:pt x="18288000" y="0"/>
-                </a:lnTo>
-                <a:lnTo>
-                  <a:pt x="18288000" y="6940950"/>
-                </a:lnTo>
-                <a:lnTo>
-                  <a:pt x="0" y="6940950"/>
-                </a:lnTo>
-                <a:lnTo>
-                  <a:pt x="0" y="0"/>
-                </a:lnTo>
-                <a:close/>
-              </a:path>
-            </a:pathLst>
-          </a:custGeom>
-          <a:blipFill>
-            <a:blip r:embed="rId2"/>
-            <a:stretch>
-              <a:fillRect l="-944" t="0" r="-944" b="0"/>
-            </a:stretch>
-          </a:blipFill>
-        </p:spPr>
-      </p:sp>
+        </p:grpSpPr>
+        <p:sp>
+          <p:nvSpPr>
+            <p:cNvPr name="TextBox 3" id="3"/>
+            <p:cNvSpPr txBox="true"/>
+            <p:nvPr/>
+          </p:nvSpPr>
+          <p:spPr>
+            <a:xfrm rot="0">
+              <a:off x="0" y="-28575"/>
+              <a:ext cx="20385179" cy="1440815"/>
+            </a:xfrm>
+            <a:prstGeom prst="rect">
+              <a:avLst/>
+            </a:prstGeom>
+          </p:spPr>
+          <p:txBody>
+            <a:bodyPr anchor="t" rtlCol="false" tIns="0" lIns="0" bIns="0" rIns="0">
+              <a:spAutoFit/>
+            </a:bodyPr>
+            <a:lstStyle/>
+            <a:p>
+              <a:pPr algn="l">
+                <a:lnSpc>
+                  <a:spcPts val="8609"/>
+                </a:lnSpc>
+                <a:spcBef>
+                  <a:spcPct val="0"/>
+                </a:spcBef>
+              </a:pPr>
+              <a:r>
+                <a:rPr lang="en-US" b="true" sz="6999">
+                  <a:solidFill>
+                    <a:srgbClr val="F3F3F3"/>
+                  </a:solidFill>
+                  <a:latin typeface="Aileron Heavy"/>
+                  <a:ea typeface="Aileron Heavy"/>
+                  <a:cs typeface="Aileron Heavy"/>
+                  <a:sym typeface="Aileron Heavy"/>
+                </a:rPr>
+                <a:t>LightGBM</a:t>
+              </a:r>
+            </a:p>
+          </p:txBody>
+        </p:sp>
+        <p:sp>
+          <p:nvSpPr>
+            <p:cNvPr name="TextBox 4" id="4"/>
+            <p:cNvSpPr txBox="true"/>
+            <p:nvPr/>
+          </p:nvSpPr>
+          <p:spPr>
+            <a:xfrm rot="0">
+              <a:off x="0" y="2371686"/>
+              <a:ext cx="17515906" cy="7915063"/>
+            </a:xfrm>
+            <a:prstGeom prst="rect">
+              <a:avLst/>
+            </a:prstGeom>
+          </p:spPr>
+          <p:txBody>
+            <a:bodyPr anchor="t" rtlCol="false" tIns="0" lIns="0" bIns="0" rIns="0">
+              <a:spAutoFit/>
+            </a:bodyPr>
+            <a:lstStyle/>
+            <a:p>
+              <a:pPr algn="l" marL="669289" indent="-334645" lvl="1">
+                <a:lnSpc>
+                  <a:spcPts val="4339"/>
+                </a:lnSpc>
+                <a:buFont typeface="Arial"/>
+                <a:buChar char="•"/>
+              </a:pPr>
+              <a:r>
+                <a:rPr lang="en-US" sz="3099" spc="40">
+                  <a:solidFill>
+                    <a:srgbClr val="F3F3F3"/>
+                  </a:solidFill>
+                  <a:latin typeface="Aileron"/>
+                  <a:ea typeface="Aileron"/>
+                  <a:cs typeface="Aileron"/>
+                  <a:sym typeface="Aileron"/>
+                </a:rPr>
+                <a:t>LightGBM (Light Gradient Boosting Machine) is a high-performance, open-source framework developed by Microsoft that utilizes gradient boosting with decision trees.</a:t>
+              </a:r>
+              <a:r>
+                <a:rPr lang="en-US" sz="3099" spc="40">
+                  <a:solidFill>
+                    <a:srgbClr val="F3F3F3"/>
+                  </a:solidFill>
+                  <a:latin typeface="Aileron"/>
+                  <a:ea typeface="Aileron"/>
+                  <a:cs typeface="Aileron"/>
+                  <a:sym typeface="Aileron"/>
+                </a:rPr>
+                <a:t> </a:t>
+              </a:r>
+            </a:p>
+            <a:p>
+              <a:pPr algn="l" marL="669289" indent="-334645" lvl="1">
+                <a:lnSpc>
+                  <a:spcPts val="4339"/>
+                </a:lnSpc>
+                <a:buFont typeface="Arial"/>
+                <a:buChar char="•"/>
+              </a:pPr>
+              <a:r>
+                <a:rPr lang="en-US" sz="3099" spc="40">
+                  <a:solidFill>
+                    <a:srgbClr val="F3F3F3"/>
+                  </a:solidFill>
+                  <a:latin typeface="Aileron"/>
+                  <a:ea typeface="Aileron"/>
+                  <a:cs typeface="Aileron"/>
+                  <a:sym typeface="Aileron"/>
+                </a:rPr>
+                <a:t>It is specifically engineered for speed and efficiency, making it a popular choice for tasks like classification, regression, and ranking, especially with large datasets. </a:t>
+              </a:r>
+            </a:p>
+            <a:p>
+              <a:pPr algn="l" marL="669289" indent="-334645" lvl="1">
+                <a:lnSpc>
+                  <a:spcPts val="4339"/>
+                </a:lnSpc>
+                <a:buFont typeface="Arial"/>
+                <a:buChar char="•"/>
+              </a:pPr>
+              <a:r>
+                <a:rPr lang="en-US" sz="3099" spc="40">
+                  <a:solidFill>
+                    <a:srgbClr val="F3F3F3"/>
+                  </a:solidFill>
+                  <a:latin typeface="Aileron"/>
+                  <a:ea typeface="Aileron"/>
+                  <a:cs typeface="Aileron"/>
+                  <a:sym typeface="Aileron"/>
+                </a:rPr>
+                <a:t>Key advantages include significantly faster training times, lower memory usage, and high accuracy.</a:t>
+              </a:r>
+            </a:p>
+            <a:p>
+              <a:pPr algn="l" marL="669289" indent="-334645" lvl="1">
+                <a:lnSpc>
+                  <a:spcPts val="4339"/>
+                </a:lnSpc>
+                <a:buFont typeface="Arial"/>
+                <a:buChar char="•"/>
+              </a:pPr>
+              <a:r>
+                <a:rPr lang="en-US" sz="3099" spc="40">
+                  <a:solidFill>
+                    <a:srgbClr val="F3F3F3"/>
+                  </a:solidFill>
+                  <a:latin typeface="Aileron"/>
+                  <a:ea typeface="Aileron"/>
+                  <a:cs typeface="Aileron"/>
+                  <a:sym typeface="Aileron"/>
+                </a:rPr>
+                <a:t>Its effectiveness stems from innovative techniques like a histogram-based algorithm and a leaf-wise tree growth strategy, enabling it to handle massive datasets and high-dimensional features with ease.</a:t>
+              </a:r>
+            </a:p>
+          </p:txBody>
+        </p:sp>
+      </p:grpSp>
     </p:spTree>
   </p:cSld>
   <p:clrMapOvr>
@@ -6262,59 +6484,13 @@
       </p:grpSpPr>
       <p:sp>
         <p:nvSpPr>
-          <p:cNvPr name="Freeform 2" id="2"/>
-          <p:cNvSpPr/>
-          <p:nvPr/>
-        </p:nvSpPr>
-        <p:spPr>
-          <a:xfrm flipH="false" flipV="false" rot="0">
-            <a:off x="1257323" y="2162717"/>
-            <a:ext cx="15773354" cy="7847244"/>
-          </a:xfrm>
-          <a:custGeom>
-            <a:avLst/>
-            <a:gdLst/>
-            <a:ahLst/>
-            <a:cxnLst/>
-            <a:rect r="r" b="b" t="t" l="l"/>
-            <a:pathLst>
-              <a:path h="7847244" w="15773354">
-                <a:moveTo>
-                  <a:pt x="0" y="0"/>
-                </a:moveTo>
-                <a:lnTo>
-                  <a:pt x="15773354" y="0"/>
-                </a:lnTo>
-                <a:lnTo>
-                  <a:pt x="15773354" y="7847243"/>
-                </a:lnTo>
-                <a:lnTo>
-                  <a:pt x="0" y="7847243"/>
-                </a:lnTo>
-                <a:lnTo>
-                  <a:pt x="0" y="0"/>
-                </a:lnTo>
-                <a:close/>
-              </a:path>
-            </a:pathLst>
-          </a:custGeom>
-          <a:blipFill>
-            <a:blip r:embed="rId2"/>
-            <a:stretch>
-              <a:fillRect l="0" t="0" r="0" b="0"/>
-            </a:stretch>
-          </a:blipFill>
-        </p:spPr>
-      </p:sp>
-      <p:sp>
-        <p:nvSpPr>
-          <p:cNvPr name="TextBox 3" id="3"/>
+          <p:cNvPr name="TextBox 2" id="2"/>
           <p:cNvSpPr txBox="true"/>
           <p:nvPr/>
         </p:nvSpPr>
         <p:spPr>
           <a:xfrm rot="0">
-            <a:off x="2312109" y="565150"/>
+            <a:off x="1972970" y="327025"/>
             <a:ext cx="13663782" cy="993775"/>
           </a:xfrm>
           <a:prstGeom prst="rect">
@@ -6335,18 +6511,6 @@
                 <a:spcPct val="0"/>
               </a:spcBef>
             </a:pPr>
-            <a:r>
-              <a:rPr lang="en-US" b="true" sz="6999">
-                <a:solidFill>
-                  <a:srgbClr val="F3F3F3"/>
-                </a:solidFill>
-                <a:latin typeface="Aileron Ultra-Bold"/>
-                <a:ea typeface="Aileron Ultra-Bold"/>
-                <a:cs typeface="Aileron Ultra-Bold"/>
-                <a:sym typeface="Aileron Ultra-Bold"/>
-              </a:rPr>
-              <a:t>Str</a:t>
-            </a:r>
             <a:r>
               <a:rPr lang="en-US" b="true" sz="6999" u="none">
                 <a:solidFill>
@@ -6357,10 +6521,56 @@
                 <a:cs typeface="Aileron Ultra-Bold"/>
                 <a:sym typeface="Aileron Ultra-Bold"/>
               </a:rPr>
-              <a:t>eamlit : Classification</a:t>
-            </a:r>
-          </a:p>
-        </p:txBody>
+              <a:t>Dashboard</a:t>
+            </a:r>
+          </a:p>
+        </p:txBody>
+      </p:sp>
+      <p:sp>
+        <p:nvSpPr>
+          <p:cNvPr name="Freeform 3" id="3"/>
+          <p:cNvSpPr/>
+          <p:nvPr/>
+        </p:nvSpPr>
+        <p:spPr>
+          <a:xfrm flipH="false" flipV="false" rot="0">
+            <a:off x="0" y="1982363"/>
+            <a:ext cx="18288000" cy="6940949"/>
+          </a:xfrm>
+          <a:custGeom>
+            <a:avLst/>
+            <a:gdLst/>
+            <a:ahLst/>
+            <a:cxnLst/>
+            <a:rect r="r" b="b" t="t" l="l"/>
+            <a:pathLst>
+              <a:path h="6940949" w="18288000">
+                <a:moveTo>
+                  <a:pt x="0" y="0"/>
+                </a:moveTo>
+                <a:lnTo>
+                  <a:pt x="18288000" y="0"/>
+                </a:lnTo>
+                <a:lnTo>
+                  <a:pt x="18288000" y="6940950"/>
+                </a:lnTo>
+                <a:lnTo>
+                  <a:pt x="0" y="6940950"/>
+                </a:lnTo>
+                <a:lnTo>
+                  <a:pt x="0" y="0"/>
+                </a:lnTo>
+                <a:close/>
+              </a:path>
+            </a:pathLst>
+          </a:custGeom>
+          <a:blipFill>
+            <a:blip r:embed="rId2"/>
+            <a:stretch>
+              <a:fillRect l="-944" t="0" r="-944" b="0"/>
+            </a:stretch>
+          </a:blipFill>
+        </p:spPr>
       </p:sp>
     </p:spTree>
   </p:cSld>
